--- a/Super Bock Super Cock.pptx
+++ b/Super Bock Super Cock.pptx
@@ -120,6 +120,11 @@
       </a:defRPr>
     </a:lvl9pPr>
   </p:defaultTextStyle>
+  <p:extLst>
+    <p:ext uri="{EFAFB233-063F-42B5-8137-9DF3F51BA10A}">
+      <p15:sldGuideLst xmlns:p15="http://schemas.microsoft.com/office/powerpoint/2012/main"/>
+    </p:ext>
+  </p:extLst>
 </p:presentation>
 </file>
 
@@ -1376,6 +1381,316 @@
             </a:r>
           </a:p>
           <a:p>
+            <a:pPr algn="l">
+              <a:buFont typeface="Arial" panose="020B0604020202020204" pitchFamily="34" charset="0"/>
+              <a:buChar char="•"/>
+            </a:pPr>
+            <a:br>
+              <a:rPr lang="pt-PT" dirty="0"/>
+            </a:br>
+            <a:r>
+              <a:rPr lang="pt-PT" dirty="0"/>
+              <a:t>---------- História -------------------------------------------</a:t>
+            </a:r>
+            <a:br>
+              <a:rPr lang="pt-PT" dirty="0"/>
+            </a:br>
+            <a:r>
+              <a:rPr lang="pt-PT" b="0" i="0" dirty="0">
+                <a:solidFill>
+                  <a:srgbClr val="D1D5DB"/>
+                </a:solidFill>
+                <a:effectLst/>
+                <a:latin typeface="Söhne"/>
+              </a:rPr>
+              <a:t>História da </a:t>
+            </a:r>
+            <a:r>
+              <a:rPr lang="pt-PT" b="0" i="0" dirty="0" err="1">
+                <a:solidFill>
+                  <a:srgbClr val="D1D5DB"/>
+                </a:solidFill>
+                <a:effectLst/>
+                <a:latin typeface="Söhne"/>
+              </a:rPr>
+              <a:t>Super</a:t>
+            </a:r>
+            <a:r>
+              <a:rPr lang="pt-PT" b="0" i="0" dirty="0">
+                <a:solidFill>
+                  <a:srgbClr val="D1D5DB"/>
+                </a:solidFill>
+                <a:effectLst/>
+                <a:latin typeface="Söhne"/>
+              </a:rPr>
+              <a:t> </a:t>
+            </a:r>
+            <a:r>
+              <a:rPr lang="pt-PT" b="0" i="0" dirty="0" err="1">
+                <a:solidFill>
+                  <a:srgbClr val="D1D5DB"/>
+                </a:solidFill>
+                <a:effectLst/>
+                <a:latin typeface="Söhne"/>
+              </a:rPr>
+              <a:t>Bock</a:t>
+            </a:r>
+            <a:r>
+              <a:rPr lang="pt-PT" b="0" i="0" dirty="0">
+                <a:solidFill>
+                  <a:srgbClr val="D1D5DB"/>
+                </a:solidFill>
+                <a:effectLst/>
+                <a:latin typeface="Söhne"/>
+              </a:rPr>
+              <a:t> desde a sua fundação em 1927 NO PORTO até os dias de hoje</a:t>
+            </a:r>
+          </a:p>
+          <a:p>
+            <a:pPr algn="l">
+              <a:buFont typeface="Arial" panose="020B0604020202020204" pitchFamily="34" charset="0"/>
+              <a:buChar char="•"/>
+            </a:pPr>
+            <a:r>
+              <a:rPr lang="pt-PT" b="0" i="0" dirty="0">
+                <a:solidFill>
+                  <a:srgbClr val="D1D5DB"/>
+                </a:solidFill>
+                <a:effectLst/>
+                <a:latin typeface="Söhne"/>
+              </a:rPr>
+              <a:t>Expansão da marca para o mercado internacional em 1933</a:t>
+            </a:r>
+          </a:p>
+          <a:p>
+            <a:pPr algn="l">
+              <a:buFont typeface="Arial" panose="020B0604020202020204" pitchFamily="34" charset="0"/>
+              <a:buChar char="•"/>
+            </a:pPr>
+            <a:r>
+              <a:rPr lang="pt-PT" b="0" i="0" dirty="0">
+                <a:solidFill>
+                  <a:srgbClr val="D1D5DB"/>
+                </a:solidFill>
+                <a:effectLst/>
+                <a:latin typeface="Söhne"/>
+              </a:rPr>
+              <a:t>A utilização exclusiva de malte nacional durante a Segunda Guerra Mundial em 1942</a:t>
+            </a:r>
+          </a:p>
+          <a:p>
+            <a:pPr algn="l">
+              <a:buFont typeface="Arial" panose="020B0604020202020204" pitchFamily="34" charset="0"/>
+              <a:buChar char="•"/>
+            </a:pPr>
+            <a:r>
+              <a:rPr lang="pt-PT" b="0" i="0" dirty="0">
+                <a:solidFill>
+                  <a:srgbClr val="D1D5DB"/>
+                </a:solidFill>
+                <a:effectLst/>
+                <a:latin typeface="Söhne"/>
+              </a:rPr>
+              <a:t>Patrocínio de eventos desportivos a partir de 1950</a:t>
+            </a:r>
+          </a:p>
+          <a:p>
+            <a:pPr algn="l">
+              <a:buFont typeface="Arial" panose="020B0604020202020204" pitchFamily="34" charset="0"/>
+              <a:buChar char="•"/>
+            </a:pPr>
+            <a:r>
+              <a:rPr lang="pt-PT" b="0" i="0" dirty="0">
+                <a:solidFill>
+                  <a:srgbClr val="D1D5DB"/>
+                </a:solidFill>
+                <a:effectLst/>
+                <a:latin typeface="Söhne"/>
+              </a:rPr>
+              <a:t>Inauguração da cervejaria em 1957 e da fábrica CUFP em 1959</a:t>
+            </a:r>
+          </a:p>
+          <a:p>
+            <a:pPr algn="l">
+              <a:buFont typeface="Arial" panose="020B0604020202020204" pitchFamily="34" charset="0"/>
+              <a:buChar char="•"/>
+            </a:pPr>
+            <a:r>
+              <a:rPr lang="pt-PT" b="0" i="0" dirty="0">
+                <a:solidFill>
+                  <a:srgbClr val="D1D5DB"/>
+                </a:solidFill>
+                <a:effectLst/>
+                <a:latin typeface="Söhne"/>
+              </a:rPr>
+              <a:t>Os camiões </a:t>
+            </a:r>
+            <a:r>
+              <a:rPr lang="pt-PT" b="0" i="0" dirty="0" err="1">
+                <a:solidFill>
+                  <a:srgbClr val="D1D5DB"/>
+                </a:solidFill>
+                <a:effectLst/>
+                <a:latin typeface="Söhne"/>
+              </a:rPr>
+              <a:t>Super</a:t>
+            </a:r>
+            <a:r>
+              <a:rPr lang="pt-PT" b="0" i="0" dirty="0">
+                <a:solidFill>
+                  <a:srgbClr val="D1D5DB"/>
+                </a:solidFill>
+                <a:effectLst/>
+                <a:latin typeface="Söhne"/>
+              </a:rPr>
+              <a:t> </a:t>
+            </a:r>
+            <a:r>
+              <a:rPr lang="pt-PT" b="0" i="0" dirty="0" err="1">
+                <a:solidFill>
+                  <a:srgbClr val="D1D5DB"/>
+                </a:solidFill>
+                <a:effectLst/>
+                <a:latin typeface="Söhne"/>
+              </a:rPr>
+              <a:t>Bock</a:t>
+            </a:r>
+            <a:r>
+              <a:rPr lang="pt-PT" b="0" i="0" dirty="0">
+                <a:solidFill>
+                  <a:srgbClr val="D1D5DB"/>
+                </a:solidFill>
+                <a:effectLst/>
+                <a:latin typeface="Söhne"/>
+              </a:rPr>
+              <a:t> como sistema de distribuição direta na cidade do Porto a partir de 1968</a:t>
+            </a:r>
+          </a:p>
+          <a:p>
+            <a:pPr algn="l">
+              <a:buFont typeface="Arial" panose="020B0604020202020204" pitchFamily="34" charset="0"/>
+              <a:buChar char="•"/>
+            </a:pPr>
+            <a:r>
+              <a:rPr lang="pt-PT" b="0" i="0" dirty="0">
+                <a:solidFill>
+                  <a:srgbClr val="D1D5DB"/>
+                </a:solidFill>
+                <a:effectLst/>
+                <a:latin typeface="Söhne"/>
+              </a:rPr>
+              <a:t>Nacionalização da Unicer em 1975</a:t>
+            </a:r>
+          </a:p>
+          <a:p>
+            <a:pPr algn="l">
+              <a:buFont typeface="Arial" panose="020B0604020202020204" pitchFamily="34" charset="0"/>
+              <a:buChar char="•"/>
+            </a:pPr>
+            <a:r>
+              <a:rPr lang="pt-PT" b="0" i="0" dirty="0">
+                <a:solidFill>
+                  <a:srgbClr val="D1D5DB"/>
+                </a:solidFill>
+                <a:effectLst/>
+                <a:latin typeface="Söhne"/>
+              </a:rPr>
+              <a:t>Lançamento do festival </a:t>
+            </a:r>
+            <a:r>
+              <a:rPr lang="pt-PT" b="0" i="0" dirty="0" err="1">
+                <a:solidFill>
+                  <a:srgbClr val="D1D5DB"/>
+                </a:solidFill>
+                <a:effectLst/>
+                <a:latin typeface="Söhne"/>
+              </a:rPr>
+              <a:t>Super</a:t>
+            </a:r>
+            <a:r>
+              <a:rPr lang="pt-PT" b="0" i="0" dirty="0">
+                <a:solidFill>
+                  <a:srgbClr val="D1D5DB"/>
+                </a:solidFill>
+                <a:effectLst/>
+                <a:latin typeface="Söhne"/>
+              </a:rPr>
+              <a:t> </a:t>
+            </a:r>
+            <a:r>
+              <a:rPr lang="pt-PT" b="0" i="0" dirty="0" err="1">
+                <a:solidFill>
+                  <a:srgbClr val="D1D5DB"/>
+                </a:solidFill>
+                <a:effectLst/>
+                <a:latin typeface="Söhne"/>
+              </a:rPr>
+              <a:t>Bock</a:t>
+            </a:r>
+            <a:r>
+              <a:rPr lang="pt-PT" b="0" i="0" dirty="0">
+                <a:solidFill>
+                  <a:srgbClr val="D1D5DB"/>
+                </a:solidFill>
+                <a:effectLst/>
+                <a:latin typeface="Söhne"/>
+              </a:rPr>
+              <a:t> </a:t>
+            </a:r>
+            <a:r>
+              <a:rPr lang="pt-PT" b="0" i="0" dirty="0" err="1">
+                <a:solidFill>
+                  <a:srgbClr val="D1D5DB"/>
+                </a:solidFill>
+                <a:effectLst/>
+                <a:latin typeface="Söhne"/>
+              </a:rPr>
+              <a:t>Super</a:t>
+            </a:r>
+            <a:r>
+              <a:rPr lang="pt-PT" b="0" i="0" dirty="0">
+                <a:solidFill>
+                  <a:srgbClr val="D1D5DB"/>
+                </a:solidFill>
+                <a:effectLst/>
+                <a:latin typeface="Söhne"/>
+              </a:rPr>
+              <a:t> Rock em 1995</a:t>
+            </a:r>
+          </a:p>
+          <a:p>
+            <a:pPr algn="l">
+              <a:buFont typeface="Arial" panose="020B0604020202020204" pitchFamily="34" charset="0"/>
+              <a:buChar char="•"/>
+            </a:pPr>
+            <a:r>
+              <a:rPr lang="pt-PT" b="0" i="0" dirty="0">
+                <a:solidFill>
+                  <a:srgbClr val="D1D5DB"/>
+                </a:solidFill>
+                <a:effectLst/>
+                <a:latin typeface="Söhne"/>
+              </a:rPr>
+              <a:t>Tornar-se a cerveja mais pedida em Portugal em 2005</a:t>
+            </a:r>
+          </a:p>
+          <a:p>
+            <a:pPr algn="l">
+              <a:buFont typeface="Arial" panose="020B0604020202020204" pitchFamily="34" charset="0"/>
+              <a:buChar char="•"/>
+            </a:pPr>
+            <a:r>
+              <a:rPr lang="pt-PT" b="0" i="0" dirty="0">
+                <a:solidFill>
+                  <a:srgbClr val="D1D5DB"/>
+                </a:solidFill>
+                <a:effectLst/>
+                <a:latin typeface="Söhne"/>
+              </a:rPr>
+              <a:t>Inauguração da Rádio SBSR.FM em 2016.</a:t>
+            </a:r>
+          </a:p>
+          <a:p>
             <a:endParaRPr lang="pt-PT" dirty="0"/>
           </a:p>
         </p:txBody>
@@ -1476,6 +1791,328 @@
             </a:r>
           </a:p>
           <a:p>
+            <a:pPr algn="l">
+              <a:buFont typeface="Arial" panose="020B0604020202020204" pitchFamily="34" charset="0"/>
+              <a:buChar char="•"/>
+            </a:pPr>
+            <a:r>
+              <a:rPr lang="pt-PT" dirty="0"/>
+              <a:t>Cultura organizacional</a:t>
+            </a:r>
+            <a:br>
+              <a:rPr lang="pt-PT" dirty="0"/>
+            </a:br>
+            <a:br>
+              <a:rPr lang="pt-PT" dirty="0"/>
+            </a:br>
+            <a:r>
+              <a:rPr lang="pt-PT" b="0" i="0" dirty="0">
+                <a:solidFill>
+                  <a:srgbClr val="D1D5DB"/>
+                </a:solidFill>
+                <a:effectLst/>
+                <a:latin typeface="Söhne"/>
+              </a:rPr>
+              <a:t>A </a:t>
+            </a:r>
+            <a:r>
+              <a:rPr lang="pt-PT" b="0" i="0" dirty="0" err="1">
+                <a:solidFill>
+                  <a:srgbClr val="D1D5DB"/>
+                </a:solidFill>
+                <a:effectLst/>
+                <a:latin typeface="Söhne"/>
+              </a:rPr>
+              <a:t>Super</a:t>
+            </a:r>
+            <a:r>
+              <a:rPr lang="pt-PT" b="0" i="0" dirty="0">
+                <a:solidFill>
+                  <a:srgbClr val="D1D5DB"/>
+                </a:solidFill>
+                <a:effectLst/>
+                <a:latin typeface="Söhne"/>
+              </a:rPr>
+              <a:t> </a:t>
+            </a:r>
+            <a:r>
+              <a:rPr lang="pt-PT" b="0" i="0" dirty="0" err="1">
+                <a:solidFill>
+                  <a:srgbClr val="D1D5DB"/>
+                </a:solidFill>
+                <a:effectLst/>
+                <a:latin typeface="Söhne"/>
+              </a:rPr>
+              <a:t>Bock</a:t>
+            </a:r>
+            <a:r>
+              <a:rPr lang="pt-PT" b="0" i="0" dirty="0">
+                <a:solidFill>
+                  <a:srgbClr val="D1D5DB"/>
+                </a:solidFill>
+                <a:effectLst/>
+                <a:latin typeface="Söhne"/>
+              </a:rPr>
+              <a:t> tem uma cultura organizacional sólida e comprometida com a excelência.</a:t>
+            </a:r>
+          </a:p>
+          <a:p>
+            <a:pPr algn="l">
+              <a:buFont typeface="Arial" panose="020B0604020202020204" pitchFamily="34" charset="0"/>
+              <a:buChar char="•"/>
+            </a:pPr>
+            <a:r>
+              <a:rPr lang="pt-PT" b="0" i="0" dirty="0">
+                <a:solidFill>
+                  <a:srgbClr val="D1D5DB"/>
+                </a:solidFill>
+                <a:effectLst/>
+                <a:latin typeface="Söhne"/>
+              </a:rPr>
+              <a:t>A empresa valoriza a diversidade na sua equipa e reconhece que a diversidade é uma vantagem competitiva.</a:t>
+            </a:r>
+          </a:p>
+          <a:p>
+            <a:pPr algn="l">
+              <a:buFont typeface="Arial" panose="020B0604020202020204" pitchFamily="34" charset="0"/>
+              <a:buChar char="•"/>
+            </a:pPr>
+            <a:r>
+              <a:rPr lang="pt-PT" b="0" i="0" dirty="0">
+                <a:solidFill>
+                  <a:srgbClr val="D1D5DB"/>
+                </a:solidFill>
+                <a:effectLst/>
+                <a:latin typeface="Söhne"/>
+              </a:rPr>
+              <a:t>A </a:t>
+            </a:r>
+            <a:r>
+              <a:rPr lang="pt-PT" b="0" i="0" dirty="0" err="1">
+                <a:solidFill>
+                  <a:srgbClr val="D1D5DB"/>
+                </a:solidFill>
+                <a:effectLst/>
+                <a:latin typeface="Söhne"/>
+              </a:rPr>
+              <a:t>Super</a:t>
+            </a:r>
+            <a:r>
+              <a:rPr lang="pt-PT" b="0" i="0" dirty="0">
+                <a:solidFill>
+                  <a:srgbClr val="D1D5DB"/>
+                </a:solidFill>
+                <a:effectLst/>
+                <a:latin typeface="Söhne"/>
+              </a:rPr>
+              <a:t> </a:t>
+            </a:r>
+            <a:r>
+              <a:rPr lang="pt-PT" b="0" i="0" dirty="0" err="1">
+                <a:solidFill>
+                  <a:srgbClr val="D1D5DB"/>
+                </a:solidFill>
+                <a:effectLst/>
+                <a:latin typeface="Söhne"/>
+              </a:rPr>
+              <a:t>Bock</a:t>
+            </a:r>
+            <a:r>
+              <a:rPr lang="pt-PT" b="0" i="0" dirty="0">
+                <a:solidFill>
+                  <a:srgbClr val="D1D5DB"/>
+                </a:solidFill>
+                <a:effectLst/>
+                <a:latin typeface="Söhne"/>
+              </a:rPr>
+              <a:t> promove a formação dos seus colaboradores e oferece programas de estágio para jovens.</a:t>
+            </a:r>
+          </a:p>
+          <a:p>
+            <a:pPr algn="l">
+              <a:buFont typeface="Arial" panose="020B0604020202020204" pitchFamily="34" charset="0"/>
+              <a:buChar char="•"/>
+            </a:pPr>
+            <a:r>
+              <a:rPr lang="pt-PT" b="0" i="0" dirty="0">
+                <a:solidFill>
+                  <a:srgbClr val="D1D5DB"/>
+                </a:solidFill>
+                <a:effectLst/>
+                <a:latin typeface="Söhne"/>
+              </a:rPr>
+              <a:t>A empresa tem um forte compromisso com a sustentabilidade, a responsabilidade social e a ética nos negócios.</a:t>
+            </a:r>
+          </a:p>
+          <a:p>
+            <a:pPr algn="l">
+              <a:buFont typeface="Arial" panose="020B0604020202020204" pitchFamily="34" charset="0"/>
+              <a:buChar char="•"/>
+            </a:pPr>
+            <a:r>
+              <a:rPr lang="pt-PT" b="0" i="0" dirty="0">
+                <a:solidFill>
+                  <a:srgbClr val="D1D5DB"/>
+                </a:solidFill>
+                <a:effectLst/>
+                <a:latin typeface="Söhne"/>
+              </a:rPr>
+              <a:t>A </a:t>
+            </a:r>
+            <a:r>
+              <a:rPr lang="pt-PT" b="0" i="0" dirty="0" err="1">
+                <a:solidFill>
+                  <a:srgbClr val="D1D5DB"/>
+                </a:solidFill>
+                <a:effectLst/>
+                <a:latin typeface="Söhne"/>
+              </a:rPr>
+              <a:t>Super</a:t>
+            </a:r>
+            <a:r>
+              <a:rPr lang="pt-PT" b="0" i="0" dirty="0">
+                <a:solidFill>
+                  <a:srgbClr val="D1D5DB"/>
+                </a:solidFill>
+                <a:effectLst/>
+                <a:latin typeface="Söhne"/>
+              </a:rPr>
+              <a:t> </a:t>
+            </a:r>
+            <a:r>
+              <a:rPr lang="pt-PT" b="0" i="0" dirty="0" err="1">
+                <a:solidFill>
+                  <a:srgbClr val="D1D5DB"/>
+                </a:solidFill>
+                <a:effectLst/>
+                <a:latin typeface="Söhne"/>
+              </a:rPr>
+              <a:t>Bock</a:t>
+            </a:r>
+            <a:r>
+              <a:rPr lang="pt-PT" b="0" i="0" dirty="0">
+                <a:solidFill>
+                  <a:srgbClr val="D1D5DB"/>
+                </a:solidFill>
+                <a:effectLst/>
+                <a:latin typeface="Söhne"/>
+              </a:rPr>
+              <a:t> tende a recrutar pessoas mais jovens e valoriza a capacidade de adaptação dos colaboradores.</a:t>
+            </a:r>
+          </a:p>
+          <a:p>
+            <a:pPr algn="l">
+              <a:buFont typeface="Arial" panose="020B0604020202020204" pitchFamily="34" charset="0"/>
+              <a:buChar char="•"/>
+            </a:pPr>
+            <a:r>
+              <a:rPr lang="pt-PT" b="0" i="0" dirty="0">
+                <a:solidFill>
+                  <a:srgbClr val="D1D5DB"/>
+                </a:solidFill>
+                <a:effectLst/>
+                <a:latin typeface="Söhne"/>
+              </a:rPr>
+              <a:t>O perfil procurado pela </a:t>
+            </a:r>
+            <a:r>
+              <a:rPr lang="pt-PT" b="0" i="0" dirty="0" err="1">
+                <a:solidFill>
+                  <a:srgbClr val="D1D5DB"/>
+                </a:solidFill>
+                <a:effectLst/>
+                <a:latin typeface="Söhne"/>
+              </a:rPr>
+              <a:t>Super</a:t>
+            </a:r>
+            <a:r>
+              <a:rPr lang="pt-PT" b="0" i="0" dirty="0">
+                <a:solidFill>
+                  <a:srgbClr val="D1D5DB"/>
+                </a:solidFill>
+                <a:effectLst/>
+                <a:latin typeface="Söhne"/>
+              </a:rPr>
+              <a:t> </a:t>
+            </a:r>
+            <a:r>
+              <a:rPr lang="pt-PT" b="0" i="0" dirty="0" err="1">
+                <a:solidFill>
+                  <a:srgbClr val="D1D5DB"/>
+                </a:solidFill>
+                <a:effectLst/>
+                <a:latin typeface="Söhne"/>
+              </a:rPr>
+              <a:t>Bock</a:t>
+            </a:r>
+            <a:r>
+              <a:rPr lang="pt-PT" b="0" i="0" dirty="0">
+                <a:solidFill>
+                  <a:srgbClr val="D1D5DB"/>
+                </a:solidFill>
+                <a:effectLst/>
+                <a:latin typeface="Söhne"/>
+              </a:rPr>
+              <a:t> é de pessoas que sabem trabalhar em equipa, são responsáveis, corajosas, têm iniciativa e são capazes.</a:t>
+            </a:r>
+          </a:p>
+          <a:p>
+            <a:pPr algn="l">
+              <a:buFont typeface="Arial" panose="020B0604020202020204" pitchFamily="34" charset="0"/>
+              <a:buChar char="•"/>
+            </a:pPr>
+            <a:r>
+              <a:rPr lang="pt-PT" b="0" i="0" dirty="0">
+                <a:solidFill>
+                  <a:srgbClr val="D1D5DB"/>
+                </a:solidFill>
+                <a:effectLst/>
+                <a:latin typeface="Söhne"/>
+              </a:rPr>
+              <a:t>A </a:t>
+            </a:r>
+            <a:r>
+              <a:rPr lang="pt-PT" b="0" i="0" dirty="0" err="1">
+                <a:solidFill>
+                  <a:srgbClr val="D1D5DB"/>
+                </a:solidFill>
+                <a:effectLst/>
+                <a:latin typeface="Söhne"/>
+              </a:rPr>
+              <a:t>Super</a:t>
+            </a:r>
+            <a:r>
+              <a:rPr lang="pt-PT" b="0" i="0" dirty="0">
+                <a:solidFill>
+                  <a:srgbClr val="D1D5DB"/>
+                </a:solidFill>
+                <a:effectLst/>
+                <a:latin typeface="Söhne"/>
+              </a:rPr>
+              <a:t> </a:t>
+            </a:r>
+            <a:r>
+              <a:rPr lang="pt-PT" b="0" i="0" dirty="0" err="1">
+                <a:solidFill>
+                  <a:srgbClr val="D1D5DB"/>
+                </a:solidFill>
+                <a:effectLst/>
+                <a:latin typeface="Söhne"/>
+              </a:rPr>
+              <a:t>Bock</a:t>
+            </a:r>
+            <a:r>
+              <a:rPr lang="pt-PT" b="0" i="0" dirty="0">
+                <a:solidFill>
+                  <a:srgbClr val="D1D5DB"/>
+                </a:solidFill>
+                <a:effectLst/>
+                <a:latin typeface="Söhne"/>
+              </a:rPr>
+              <a:t> está em constante mudança organizacional, buscando melhorias na sua cultura e políticas internas, e tem um forte compromisso com a inovação e a melhoria contínua dos seus produtos e processos.</a:t>
+            </a:r>
+          </a:p>
+          <a:p>
             <a:pPr marL="0" marR="0" lvl="0" indent="0" algn="l" defTabSz="914400" rtl="0" eaLnBrk="1" fontAlgn="auto" latinLnBrk="0" hangingPunct="1">
               <a:lnSpc>
                 <a:spcPct val="100000"/>
@@ -1493,10 +2130,7 @@
               <a:tabLst/>
               <a:defRPr/>
             </a:pPr>
-            <a:r>
-              <a:rPr lang="pt-PT" dirty="0"/>
-              <a:t>Cultura organizacional</a:t>
-            </a:r>
+            <a:endParaRPr lang="pt-PT" dirty="0"/>
           </a:p>
         </p:txBody>
       </p:sp>
@@ -2140,7 +2774,1026 @@
             <a:endParaRPr lang="pt-PT" dirty="0"/>
           </a:p>
           <a:p>
+            <a:pPr marL="0" marR="0" lvl="0" indent="0" algn="l" defTabSz="914400" rtl="0" eaLnBrk="1" fontAlgn="auto" latinLnBrk="0" hangingPunct="1">
+              <a:lnSpc>
+                <a:spcPct val="100000"/>
+              </a:lnSpc>
+              <a:spcBef>
+                <a:spcPts val="0"/>
+              </a:spcBef>
+              <a:spcAft>
+                <a:spcPts val="0"/>
+              </a:spcAft>
+              <a:buClrTx/>
+              <a:buSzTx/>
+              <a:buFontTx/>
+              <a:buNone/>
+              <a:tabLst/>
+              <a:defRPr/>
+            </a:pPr>
+            <a:br>
+              <a:rPr lang="pt-PT" dirty="0"/>
+            </a:br>
+            <a:br>
+              <a:rPr lang="pt-PT" dirty="0"/>
+            </a:br>
+            <a:r>
+              <a:rPr lang="pt-PT" b="0" dirty="0">
+                <a:solidFill>
+                  <a:srgbClr val="D4D4D4"/>
+                </a:solidFill>
+                <a:effectLst/>
+                <a:latin typeface="Consolas" panose="020B0609020204030204" pitchFamily="49" charset="0"/>
+              </a:rPr>
+              <a:t>O modelo de </a:t>
+            </a:r>
+            <a:r>
+              <a:rPr lang="pt-PT" b="0" dirty="0" err="1">
+                <a:solidFill>
+                  <a:srgbClr val="D4D4D4"/>
+                </a:solidFill>
+                <a:effectLst/>
+                <a:latin typeface="Consolas" panose="020B0609020204030204" pitchFamily="49" charset="0"/>
+              </a:rPr>
+              <a:t>Hofstede</a:t>
+            </a:r>
+            <a:r>
+              <a:rPr lang="pt-PT" b="0" dirty="0">
+                <a:solidFill>
+                  <a:srgbClr val="D4D4D4"/>
+                </a:solidFill>
+                <a:effectLst/>
+                <a:latin typeface="Consolas" panose="020B0609020204030204" pitchFamily="49" charset="0"/>
+              </a:rPr>
+              <a:t> é uma teoria que descreve as diferenças culturais entre países. Foi desenvolvido por Geert </a:t>
+            </a:r>
+            <a:r>
+              <a:rPr lang="pt-PT" b="0" dirty="0" err="1">
+                <a:solidFill>
+                  <a:srgbClr val="D4D4D4"/>
+                </a:solidFill>
+                <a:effectLst/>
+                <a:latin typeface="Consolas" panose="020B0609020204030204" pitchFamily="49" charset="0"/>
+              </a:rPr>
+              <a:t>Hofstede</a:t>
+            </a:r>
+            <a:r>
+              <a:rPr lang="pt-PT" b="0" dirty="0">
+                <a:solidFill>
+                  <a:srgbClr val="D4D4D4"/>
+                </a:solidFill>
+                <a:effectLst/>
+                <a:latin typeface="Consolas" panose="020B0609020204030204" pitchFamily="49" charset="0"/>
+              </a:rPr>
+              <a:t>. </a:t>
+            </a:r>
+          </a:p>
+          <a:p>
+            <a:pPr marL="0" marR="0" lvl="0" indent="0" algn="l" defTabSz="914400" rtl="0" eaLnBrk="1" fontAlgn="auto" latinLnBrk="0" hangingPunct="1">
+              <a:lnSpc>
+                <a:spcPct val="100000"/>
+              </a:lnSpc>
+              <a:spcBef>
+                <a:spcPts val="0"/>
+              </a:spcBef>
+              <a:spcAft>
+                <a:spcPts val="0"/>
+              </a:spcAft>
+              <a:buClrTx/>
+              <a:buSzTx/>
+              <a:buFontTx/>
+              <a:buNone/>
+              <a:tabLst/>
+              <a:defRPr/>
+            </a:pPr>
+            <a:br>
+              <a:rPr lang="pt-PT" b="0" dirty="0">
+                <a:solidFill>
+                  <a:srgbClr val="D4D4D4"/>
+                </a:solidFill>
+                <a:effectLst/>
+                <a:latin typeface="Consolas" panose="020B0609020204030204" pitchFamily="49" charset="0"/>
+              </a:rPr>
+            </a:br>
+            <a:r>
+              <a:rPr lang="pt-PT" b="0" i="0" dirty="0">
+                <a:effectLst/>
+                <a:latin typeface="Arial" panose="020B0604020202020204" pitchFamily="34" charset="0"/>
+              </a:rPr>
+              <a:t>Distância hierárquica (</a:t>
+            </a:r>
+            <a:r>
+              <a:rPr lang="pt-PT" b="0" i="0" dirty="0" err="1">
+                <a:effectLst/>
+                <a:latin typeface="Arial" panose="020B0604020202020204" pitchFamily="34" charset="0"/>
+              </a:rPr>
+              <a:t>Power</a:t>
+            </a:r>
+            <a:r>
+              <a:rPr lang="pt-PT" b="0" i="0" dirty="0">
+                <a:effectLst/>
+                <a:latin typeface="Arial" panose="020B0604020202020204" pitchFamily="34" charset="0"/>
+              </a:rPr>
+              <a:t> </a:t>
+            </a:r>
+            <a:r>
+              <a:rPr lang="pt-PT" b="0" i="0" dirty="0" err="1">
+                <a:effectLst/>
+                <a:latin typeface="Arial" panose="020B0604020202020204" pitchFamily="34" charset="0"/>
+              </a:rPr>
+              <a:t>Distance</a:t>
+            </a:r>
+            <a:r>
+              <a:rPr lang="pt-PT" b="0" i="0" dirty="0">
+                <a:effectLst/>
+                <a:latin typeface="Arial" panose="020B0604020202020204" pitchFamily="34" charset="0"/>
+              </a:rPr>
+              <a:t>): Refere-se à forma como as pessoas numa</a:t>
+            </a:r>
+            <a:br>
+              <a:rPr lang="pt-PT" dirty="0"/>
+            </a:br>
+            <a:r>
+              <a:rPr lang="pt-PT" b="0" i="0" dirty="0">
+                <a:effectLst/>
+                <a:latin typeface="Arial" panose="020B0604020202020204" pitchFamily="34" charset="0"/>
+              </a:rPr>
+              <a:t>cultura lidam com a desigualdade social e de poder.</a:t>
+            </a:r>
+          </a:p>
+          <a:p>
+            <a:pPr marL="0" marR="0" lvl="0" indent="0" algn="l" defTabSz="914400" rtl="0" eaLnBrk="1" fontAlgn="auto" latinLnBrk="0" hangingPunct="1">
+              <a:lnSpc>
+                <a:spcPct val="100000"/>
+              </a:lnSpc>
+              <a:spcBef>
+                <a:spcPts val="0"/>
+              </a:spcBef>
+              <a:spcAft>
+                <a:spcPts val="0"/>
+              </a:spcAft>
+              <a:buClrTx/>
+              <a:buSzTx/>
+              <a:buFontTx/>
+              <a:buNone/>
+              <a:tabLst/>
+              <a:defRPr/>
+            </a:pPr>
+            <a:br>
+              <a:rPr lang="pt-PT" dirty="0"/>
+            </a:br>
+            <a:r>
+              <a:rPr lang="pt-PT" b="0" i="0" dirty="0">
+                <a:effectLst/>
+                <a:latin typeface="Courier New" panose="02070309020205020404" pitchFamily="49" charset="0"/>
+              </a:rPr>
+              <a:t>• </a:t>
+            </a:r>
+            <a:r>
+              <a:rPr lang="pt-PT" b="0" i="0" dirty="0">
+                <a:effectLst/>
+                <a:latin typeface="Arial" panose="020B0604020202020204" pitchFamily="34" charset="0"/>
+              </a:rPr>
+              <a:t>Individualismo vs. Coletivismo (</a:t>
+            </a:r>
+            <a:r>
+              <a:rPr lang="pt-PT" b="0" i="0" dirty="0" err="1">
+                <a:effectLst/>
+                <a:latin typeface="Arial" panose="020B0604020202020204" pitchFamily="34" charset="0"/>
+              </a:rPr>
+              <a:t>Individualism</a:t>
+            </a:r>
+            <a:r>
+              <a:rPr lang="pt-PT" b="0" i="0" dirty="0">
+                <a:effectLst/>
+                <a:latin typeface="Arial" panose="020B0604020202020204" pitchFamily="34" charset="0"/>
+              </a:rPr>
+              <a:t> vs. </a:t>
+            </a:r>
+            <a:r>
+              <a:rPr lang="pt-PT" b="0" i="0" dirty="0" err="1">
+                <a:effectLst/>
+                <a:latin typeface="Arial" panose="020B0604020202020204" pitchFamily="34" charset="0"/>
+              </a:rPr>
+              <a:t>Collectivism</a:t>
+            </a:r>
+            <a:r>
+              <a:rPr lang="pt-PT" b="0" i="0" dirty="0">
+                <a:effectLst/>
+                <a:latin typeface="Arial" panose="020B0604020202020204" pitchFamily="34" charset="0"/>
+              </a:rPr>
+              <a:t>): Refere-se à impor-</a:t>
+            </a:r>
+            <a:br>
+              <a:rPr lang="pt-PT" dirty="0"/>
+            </a:br>
+            <a:r>
+              <a:rPr lang="pt-PT" b="0" i="0" dirty="0" err="1">
+                <a:effectLst/>
+                <a:latin typeface="Arial" panose="020B0604020202020204" pitchFamily="34" charset="0"/>
+              </a:rPr>
+              <a:t>tância</a:t>
+            </a:r>
+            <a:r>
+              <a:rPr lang="pt-PT" b="0" i="0" dirty="0">
+                <a:effectLst/>
+                <a:latin typeface="Arial" panose="020B0604020202020204" pitchFamily="34" charset="0"/>
+              </a:rPr>
+              <a:t> que uma cultura dá aos interesses individuais em relação aos interesses coletivos.</a:t>
+            </a:r>
+          </a:p>
+          <a:p>
+            <a:pPr marL="0" marR="0" lvl="0" indent="0" algn="l" defTabSz="914400" rtl="0" eaLnBrk="1" fontAlgn="auto" latinLnBrk="0" hangingPunct="1">
+              <a:lnSpc>
+                <a:spcPct val="100000"/>
+              </a:lnSpc>
+              <a:spcBef>
+                <a:spcPts val="0"/>
+              </a:spcBef>
+              <a:spcAft>
+                <a:spcPts val="0"/>
+              </a:spcAft>
+              <a:buClrTx/>
+              <a:buSzTx/>
+              <a:buFontTx/>
+              <a:buNone/>
+              <a:tabLst/>
+              <a:defRPr/>
+            </a:pPr>
+            <a:br>
+              <a:rPr lang="pt-PT" dirty="0"/>
+            </a:br>
+            <a:r>
+              <a:rPr lang="pt-PT" b="0" i="0" dirty="0">
+                <a:effectLst/>
+                <a:latin typeface="Courier New" panose="02070309020205020404" pitchFamily="49" charset="0"/>
+              </a:rPr>
+              <a:t>• </a:t>
+            </a:r>
+            <a:r>
+              <a:rPr lang="pt-PT" b="0" i="0" dirty="0">
+                <a:effectLst/>
+                <a:latin typeface="Arial" panose="020B0604020202020204" pitchFamily="34" charset="0"/>
+              </a:rPr>
+              <a:t>Masculinidade vs. Feminilidade (</a:t>
+            </a:r>
+            <a:r>
+              <a:rPr lang="pt-PT" b="0" i="0" dirty="0" err="1">
+                <a:effectLst/>
+                <a:latin typeface="Arial" panose="020B0604020202020204" pitchFamily="34" charset="0"/>
+              </a:rPr>
+              <a:t>Masculinity</a:t>
+            </a:r>
+            <a:r>
+              <a:rPr lang="pt-PT" b="0" i="0" dirty="0">
+                <a:effectLst/>
+                <a:latin typeface="Arial" panose="020B0604020202020204" pitchFamily="34" charset="0"/>
+              </a:rPr>
+              <a:t> vs. </a:t>
+            </a:r>
+            <a:r>
+              <a:rPr lang="pt-PT" b="0" i="0" dirty="0" err="1">
+                <a:effectLst/>
+                <a:latin typeface="Arial" panose="020B0604020202020204" pitchFamily="34" charset="0"/>
+              </a:rPr>
+              <a:t>Femininity</a:t>
+            </a:r>
+            <a:r>
+              <a:rPr lang="pt-PT" b="0" i="0" dirty="0">
+                <a:effectLst/>
+                <a:latin typeface="Arial" panose="020B0604020202020204" pitchFamily="34" charset="0"/>
+              </a:rPr>
+              <a:t>): Refere-se à importância</a:t>
+            </a:r>
+            <a:br>
+              <a:rPr lang="pt-PT" dirty="0"/>
+            </a:br>
+            <a:r>
+              <a:rPr lang="pt-PT" b="0" i="0" dirty="0">
+                <a:effectLst/>
+                <a:latin typeface="Arial" panose="020B0604020202020204" pitchFamily="34" charset="0"/>
+              </a:rPr>
+              <a:t>que uma cultura dá a traços tradicionalmente considerados masculinos ou femininos.</a:t>
+            </a:r>
+          </a:p>
+          <a:p>
+            <a:pPr marL="0" marR="0" lvl="0" indent="0" algn="l" defTabSz="914400" rtl="0" eaLnBrk="1" fontAlgn="auto" latinLnBrk="0" hangingPunct="1">
+              <a:lnSpc>
+                <a:spcPct val="100000"/>
+              </a:lnSpc>
+              <a:spcBef>
+                <a:spcPts val="0"/>
+              </a:spcBef>
+              <a:spcAft>
+                <a:spcPts val="0"/>
+              </a:spcAft>
+              <a:buClrTx/>
+              <a:buSzTx/>
+              <a:buFontTx/>
+              <a:buNone/>
+              <a:tabLst/>
+              <a:defRPr/>
+            </a:pPr>
+            <a:br>
+              <a:rPr lang="pt-PT" dirty="0"/>
+            </a:br>
+            <a:r>
+              <a:rPr lang="pt-PT" b="0" i="0" dirty="0">
+                <a:effectLst/>
+                <a:latin typeface="Courier New" panose="02070309020205020404" pitchFamily="49" charset="0"/>
+              </a:rPr>
+              <a:t>• </a:t>
+            </a:r>
+            <a:r>
+              <a:rPr lang="pt-PT" b="0" i="0" dirty="0">
+                <a:effectLst/>
+                <a:latin typeface="Arial" panose="020B0604020202020204" pitchFamily="34" charset="0"/>
+              </a:rPr>
+              <a:t>Evitação da incerteza (</a:t>
+            </a:r>
+            <a:r>
+              <a:rPr lang="pt-PT" b="0" i="0" dirty="0" err="1">
+                <a:effectLst/>
+                <a:latin typeface="Arial" panose="020B0604020202020204" pitchFamily="34" charset="0"/>
+              </a:rPr>
+              <a:t>Uncertainty</a:t>
+            </a:r>
+            <a:r>
+              <a:rPr lang="pt-PT" b="0" i="0" dirty="0">
+                <a:effectLst/>
+                <a:latin typeface="Arial" panose="020B0604020202020204" pitchFamily="34" charset="0"/>
+              </a:rPr>
+              <a:t> </a:t>
+            </a:r>
+            <a:r>
+              <a:rPr lang="pt-PT" b="0" i="0" dirty="0" err="1">
+                <a:effectLst/>
+                <a:latin typeface="Arial" panose="020B0604020202020204" pitchFamily="34" charset="0"/>
+              </a:rPr>
+              <a:t>Avoidance</a:t>
+            </a:r>
+            <a:r>
+              <a:rPr lang="pt-PT" b="0" i="0" dirty="0">
+                <a:effectLst/>
+                <a:latin typeface="Arial" panose="020B0604020202020204" pitchFamily="34" charset="0"/>
+              </a:rPr>
+              <a:t>): Refere-se à tolerância de uma cultura</a:t>
+            </a:r>
+            <a:br>
+              <a:rPr lang="pt-PT" dirty="0"/>
+            </a:br>
+            <a:r>
+              <a:rPr lang="pt-PT" b="0" i="0" dirty="0">
+                <a:effectLst/>
+                <a:latin typeface="Arial" panose="020B0604020202020204" pitchFamily="34" charset="0"/>
+              </a:rPr>
+              <a:t>à ambiguidade e à incerteza.</a:t>
+            </a:r>
+          </a:p>
+          <a:p>
+            <a:pPr marL="0" marR="0" lvl="0" indent="0" algn="l" defTabSz="914400" rtl="0" eaLnBrk="1" fontAlgn="auto" latinLnBrk="0" hangingPunct="1">
+              <a:lnSpc>
+                <a:spcPct val="100000"/>
+              </a:lnSpc>
+              <a:spcBef>
+                <a:spcPts val="0"/>
+              </a:spcBef>
+              <a:spcAft>
+                <a:spcPts val="0"/>
+              </a:spcAft>
+              <a:buClrTx/>
+              <a:buSzTx/>
+              <a:buFontTx/>
+              <a:buNone/>
+              <a:tabLst/>
+              <a:defRPr/>
+            </a:pPr>
+            <a:br>
+              <a:rPr lang="pt-PT" dirty="0"/>
+            </a:br>
+            <a:r>
+              <a:rPr lang="pt-PT" b="0" i="0" dirty="0">
+                <a:effectLst/>
+                <a:latin typeface="Courier New" panose="02070309020205020404" pitchFamily="49" charset="0"/>
+              </a:rPr>
+              <a:t>• </a:t>
+            </a:r>
+            <a:r>
+              <a:rPr lang="pt-PT" b="0" i="0" dirty="0">
+                <a:effectLst/>
+                <a:latin typeface="Arial" panose="020B0604020202020204" pitchFamily="34" charset="0"/>
+              </a:rPr>
+              <a:t>Orientação de longo prazo vs. Orientação de curto prazo (Long-</a:t>
+            </a:r>
+            <a:r>
+              <a:rPr lang="pt-PT" b="0" i="0" dirty="0" err="1">
+                <a:effectLst/>
+                <a:latin typeface="Arial" panose="020B0604020202020204" pitchFamily="34" charset="0"/>
+              </a:rPr>
+              <a:t>Term</a:t>
+            </a:r>
+            <a:r>
+              <a:rPr lang="pt-PT" b="0" i="0" dirty="0">
+                <a:effectLst/>
+                <a:latin typeface="Arial" panose="020B0604020202020204" pitchFamily="34" charset="0"/>
+              </a:rPr>
+              <a:t> vs. Short-</a:t>
+            </a:r>
+            <a:r>
+              <a:rPr lang="pt-PT" b="0" i="0" dirty="0" err="1">
+                <a:effectLst/>
+                <a:latin typeface="Arial" panose="020B0604020202020204" pitchFamily="34" charset="0"/>
+              </a:rPr>
+              <a:t>Term</a:t>
+            </a:r>
+            <a:br>
+              <a:rPr lang="pt-PT" dirty="0"/>
+            </a:br>
+            <a:r>
+              <a:rPr lang="pt-PT" b="0" i="0" dirty="0" err="1">
+                <a:effectLst/>
+                <a:latin typeface="Arial" panose="020B0604020202020204" pitchFamily="34" charset="0"/>
+              </a:rPr>
+              <a:t>Orientation</a:t>
+            </a:r>
+            <a:r>
+              <a:rPr lang="pt-PT" b="0" i="0" dirty="0">
+                <a:effectLst/>
+                <a:latin typeface="Arial" panose="020B0604020202020204" pitchFamily="34" charset="0"/>
+              </a:rPr>
+              <a:t>): Refere-se à importância que uma cultura dá à tradição e à estabilidade</a:t>
+            </a:r>
+            <a:br>
+              <a:rPr lang="pt-PT" dirty="0"/>
+            </a:br>
+            <a:r>
+              <a:rPr lang="pt-PT" b="0" i="0" dirty="0">
+                <a:effectLst/>
+                <a:latin typeface="Arial" panose="020B0604020202020204" pitchFamily="34" charset="0"/>
+              </a:rPr>
+              <a:t>em relação à inovação e à mudança</a:t>
+            </a:r>
+            <a:br>
+              <a:rPr lang="pt-PT" b="0" i="0" dirty="0">
+                <a:effectLst/>
+                <a:latin typeface="Arial" panose="020B0604020202020204" pitchFamily="34" charset="0"/>
+              </a:rPr>
+            </a:br>
+            <a:br>
+              <a:rPr lang="pt-PT" b="0" i="0" dirty="0">
+                <a:effectLst/>
+                <a:latin typeface="Arial" panose="020B0604020202020204" pitchFamily="34" charset="0"/>
+              </a:rPr>
+            </a:br>
+            <a:r>
+              <a:rPr lang="pt-PT" b="0" i="0" dirty="0">
+                <a:effectLst/>
+                <a:latin typeface="Arial" panose="020B0604020202020204" pitchFamily="34" charset="0"/>
+              </a:rPr>
+              <a:t>----Na </a:t>
+            </a:r>
+            <a:r>
+              <a:rPr lang="pt-PT" b="0" i="0" dirty="0" err="1">
+                <a:effectLst/>
+                <a:latin typeface="Arial" panose="020B0604020202020204" pitchFamily="34" charset="0"/>
+              </a:rPr>
+              <a:t>superbock</a:t>
+            </a:r>
+            <a:r>
+              <a:rPr lang="pt-PT" b="0" i="0" dirty="0">
+                <a:effectLst/>
+                <a:latin typeface="Arial" panose="020B0604020202020204" pitchFamily="34" charset="0"/>
+              </a:rPr>
+              <a:t>-----------</a:t>
+            </a:r>
+            <a:br>
+              <a:rPr lang="pt-PT" b="0" i="0" dirty="0">
+                <a:effectLst/>
+                <a:latin typeface="Arial" panose="020B0604020202020204" pitchFamily="34" charset="0"/>
+              </a:rPr>
+            </a:br>
+            <a:br>
+              <a:rPr lang="pt-PT" b="0" i="0" dirty="0">
+                <a:effectLst/>
+                <a:latin typeface="Arial" panose="020B0604020202020204" pitchFamily="34" charset="0"/>
+              </a:rPr>
+            </a:br>
+            <a:r>
+              <a:rPr lang="pt-PT" b="0" i="0" dirty="0">
+                <a:effectLst/>
+                <a:latin typeface="Arial" panose="020B0604020202020204" pitchFamily="34" charset="0"/>
+              </a:rPr>
+              <a:t>Distância Hierárquica: Sendo que a </a:t>
+            </a:r>
+            <a:r>
+              <a:rPr lang="pt-PT" b="0" i="0" dirty="0" err="1">
+                <a:effectLst/>
+                <a:latin typeface="Arial" panose="020B0604020202020204" pitchFamily="34" charset="0"/>
+              </a:rPr>
+              <a:t>Superbock</a:t>
+            </a:r>
+            <a:r>
+              <a:rPr lang="pt-PT" b="0" i="0" dirty="0">
+                <a:effectLst/>
+                <a:latin typeface="Arial" panose="020B0604020202020204" pitchFamily="34" charset="0"/>
+              </a:rPr>
+              <a:t> é uma empresa com bastantes níveis de</a:t>
+            </a:r>
+            <a:br>
+              <a:rPr lang="pt-PT" dirty="0"/>
+            </a:br>
+            <a:r>
+              <a:rPr lang="pt-PT" b="0" i="0" dirty="0">
+                <a:effectLst/>
+                <a:latin typeface="Arial" panose="020B0604020202020204" pitchFamily="34" charset="0"/>
+              </a:rPr>
+              <a:t>gestão, devido à sua dimensão, isto promove uma maior </a:t>
+            </a:r>
+            <a:r>
+              <a:rPr lang="pt-PT" b="0" i="0" dirty="0" err="1">
+                <a:effectLst/>
+                <a:latin typeface="Arial" panose="020B0604020202020204" pitchFamily="34" charset="0"/>
+              </a:rPr>
+              <a:t>distânica</a:t>
+            </a:r>
+            <a:r>
+              <a:rPr lang="pt-PT" b="0" i="0" dirty="0">
+                <a:effectLst/>
+                <a:latin typeface="Arial" panose="020B0604020202020204" pitchFamily="34" charset="0"/>
+              </a:rPr>
+              <a:t> hierárquica e pode</a:t>
+            </a:r>
+            <a:br>
+              <a:rPr lang="pt-PT" dirty="0"/>
+            </a:br>
+            <a:r>
+              <a:rPr lang="pt-PT" b="0" i="0" dirty="0">
+                <a:effectLst/>
+                <a:latin typeface="Arial" panose="020B0604020202020204" pitchFamily="34" charset="0"/>
+              </a:rPr>
+              <a:t>influenciar o comportamento dos colaboradores.</a:t>
+            </a:r>
+            <a:br>
+              <a:rPr lang="pt-PT" dirty="0"/>
+            </a:br>
+            <a:r>
+              <a:rPr lang="pt-PT" b="0" i="0" dirty="0">
+                <a:effectLst/>
+                <a:latin typeface="Courier New" panose="02070309020205020404" pitchFamily="49" charset="0"/>
+              </a:rPr>
+              <a:t>• </a:t>
+            </a:r>
+            <a:r>
+              <a:rPr lang="pt-PT" b="0" i="0" dirty="0">
+                <a:effectLst/>
+                <a:latin typeface="Arial" panose="020B0604020202020204" pitchFamily="34" charset="0"/>
+              </a:rPr>
+              <a:t>Individualismo </a:t>
+            </a:r>
+            <a:r>
+              <a:rPr lang="pt-PT" b="0" i="0" dirty="0" err="1">
+                <a:effectLst/>
+                <a:latin typeface="Arial" panose="020B0604020202020204" pitchFamily="34" charset="0"/>
+              </a:rPr>
+              <a:t>vs</a:t>
+            </a:r>
+            <a:r>
+              <a:rPr lang="pt-PT" b="0" i="0" dirty="0">
+                <a:effectLst/>
+                <a:latin typeface="Arial" panose="020B0604020202020204" pitchFamily="34" charset="0"/>
+              </a:rPr>
+              <a:t> Coletivismo: A empresa preocupa-se em encontrar colaboradores</a:t>
+            </a:r>
+            <a:br>
+              <a:rPr lang="pt-PT" dirty="0"/>
+            </a:br>
+            <a:r>
+              <a:rPr lang="pt-PT" b="0" i="0" dirty="0">
+                <a:effectLst/>
+                <a:latin typeface="Arial" panose="020B0604020202020204" pitchFamily="34" charset="0"/>
+              </a:rPr>
+              <a:t>com espírito de equipa para promover um ambiente coletivista.</a:t>
+            </a:r>
+          </a:p>
+          <a:p>
+            <a:pPr marL="0" marR="0" lvl="0" indent="0" algn="l" defTabSz="914400" rtl="0" eaLnBrk="1" fontAlgn="auto" latinLnBrk="0" hangingPunct="1">
+              <a:lnSpc>
+                <a:spcPct val="100000"/>
+              </a:lnSpc>
+              <a:spcBef>
+                <a:spcPts val="0"/>
+              </a:spcBef>
+              <a:spcAft>
+                <a:spcPts val="0"/>
+              </a:spcAft>
+              <a:buClrTx/>
+              <a:buSzTx/>
+              <a:buFontTx/>
+              <a:buNone/>
+              <a:tabLst/>
+              <a:defRPr/>
+            </a:pPr>
+            <a:br>
+              <a:rPr lang="pt-PT" dirty="0"/>
+            </a:br>
+            <a:r>
+              <a:rPr lang="pt-PT" b="0" i="0" dirty="0">
+                <a:effectLst/>
+                <a:latin typeface="Courier New" panose="02070309020205020404" pitchFamily="49" charset="0"/>
+              </a:rPr>
+              <a:t>• </a:t>
+            </a:r>
+            <a:r>
+              <a:rPr lang="pt-PT" b="0" i="0" dirty="0">
+                <a:effectLst/>
+                <a:latin typeface="Arial" panose="020B0604020202020204" pitchFamily="34" charset="0"/>
+              </a:rPr>
+              <a:t>Masculinidade </a:t>
+            </a:r>
+            <a:r>
+              <a:rPr lang="pt-PT" b="0" i="0" dirty="0" err="1">
+                <a:effectLst/>
+                <a:latin typeface="Arial" panose="020B0604020202020204" pitchFamily="34" charset="0"/>
+              </a:rPr>
+              <a:t>vs</a:t>
+            </a:r>
+            <a:r>
+              <a:rPr lang="pt-PT" b="0" i="0" dirty="0">
+                <a:effectLst/>
+                <a:latin typeface="Arial" panose="020B0604020202020204" pitchFamily="34" charset="0"/>
+              </a:rPr>
+              <a:t> Feminilidade: Neste aspeto a </a:t>
+            </a:r>
+            <a:r>
+              <a:rPr lang="pt-PT" b="0" i="0" dirty="0" err="1">
+                <a:effectLst/>
+                <a:latin typeface="Arial" panose="020B0604020202020204" pitchFamily="34" charset="0"/>
+              </a:rPr>
+              <a:t>SuperBock</a:t>
+            </a:r>
+            <a:r>
+              <a:rPr lang="pt-PT" b="0" i="0" dirty="0">
+                <a:effectLst/>
+                <a:latin typeface="Arial" panose="020B0604020202020204" pitchFamily="34" charset="0"/>
+              </a:rPr>
+              <a:t> é equilibrada, visto que</a:t>
+            </a:r>
+            <a:br>
+              <a:rPr lang="pt-PT" dirty="0"/>
+            </a:br>
+            <a:r>
+              <a:rPr lang="pt-PT" b="0" i="0" dirty="0">
+                <a:effectLst/>
+                <a:latin typeface="Arial" panose="020B0604020202020204" pitchFamily="34" charset="0"/>
+              </a:rPr>
+              <a:t>temos aspetos da masculinidade como a enfatização da competitividade e sucesso</a:t>
+            </a:r>
+            <a:br>
+              <a:rPr lang="pt-PT" dirty="0"/>
+            </a:br>
+            <a:r>
+              <a:rPr lang="pt-PT" b="0" i="0" dirty="0">
+                <a:effectLst/>
+                <a:latin typeface="Arial" panose="020B0604020202020204" pitchFamily="34" charset="0"/>
+              </a:rPr>
+              <a:t>financeiro, mas também valorizam qualidade de produto e satisfação do cliente, aspetos</a:t>
+            </a:r>
+            <a:br>
+              <a:rPr lang="pt-PT" dirty="0"/>
+            </a:br>
+            <a:r>
+              <a:rPr lang="pt-PT" b="0" i="0" dirty="0">
+                <a:effectLst/>
+                <a:latin typeface="Arial" panose="020B0604020202020204" pitchFamily="34" charset="0"/>
+              </a:rPr>
+              <a:t>mais associados à cultura feminina.</a:t>
+            </a:r>
+          </a:p>
+          <a:p>
+            <a:pPr marL="0" marR="0" lvl="0" indent="0" algn="l" defTabSz="914400" rtl="0" eaLnBrk="1" fontAlgn="auto" latinLnBrk="0" hangingPunct="1">
+              <a:lnSpc>
+                <a:spcPct val="100000"/>
+              </a:lnSpc>
+              <a:spcBef>
+                <a:spcPts val="0"/>
+              </a:spcBef>
+              <a:spcAft>
+                <a:spcPts val="0"/>
+              </a:spcAft>
+              <a:buClrTx/>
+              <a:buSzTx/>
+              <a:buFontTx/>
+              <a:buNone/>
+              <a:tabLst/>
+              <a:defRPr/>
+            </a:pPr>
+            <a:br>
+              <a:rPr lang="pt-PT" dirty="0"/>
+            </a:br>
+            <a:r>
+              <a:rPr lang="pt-PT" b="0" i="0" dirty="0">
+                <a:effectLst/>
+                <a:latin typeface="Courier New" panose="02070309020205020404" pitchFamily="49" charset="0"/>
+              </a:rPr>
+              <a:t>• </a:t>
+            </a:r>
+            <a:r>
+              <a:rPr lang="pt-PT" b="0" i="0" dirty="0">
+                <a:effectLst/>
+                <a:latin typeface="Arial" panose="020B0604020202020204" pitchFamily="34" charset="0"/>
+              </a:rPr>
+              <a:t>Evitação da Incerteza: Este aspeto é bastante comum entre as empresas portuguesas.</a:t>
+            </a:r>
+            <a:br>
+              <a:rPr lang="pt-PT" dirty="0"/>
+            </a:br>
+            <a:r>
+              <a:rPr lang="pt-PT" b="0" i="0" dirty="0">
+                <a:effectLst/>
+                <a:latin typeface="Arial" panose="020B0604020202020204" pitchFamily="34" charset="0"/>
+              </a:rPr>
+              <a:t>A preocupação com previsibilidade e estabilidade dos colaboradores através de </a:t>
+            </a:r>
+            <a:r>
+              <a:rPr lang="pt-PT" b="0" i="0" dirty="0" err="1">
+                <a:effectLst/>
+                <a:latin typeface="Arial" panose="020B0604020202020204" pitchFamily="34" charset="0"/>
+              </a:rPr>
+              <a:t>proce</a:t>
+            </a:r>
+            <a:r>
+              <a:rPr lang="pt-PT" b="0" i="0" dirty="0">
+                <a:effectLst/>
+                <a:latin typeface="Arial" panose="020B0604020202020204" pitchFamily="34" charset="0"/>
+              </a:rPr>
+              <a:t>-</a:t>
+            </a:r>
+            <a:br>
+              <a:rPr lang="pt-PT" dirty="0"/>
+            </a:br>
+            <a:r>
+              <a:rPr lang="pt-PT" b="0" i="0" dirty="0" err="1">
+                <a:effectLst/>
+                <a:latin typeface="Arial" panose="020B0604020202020204" pitchFamily="34" charset="0"/>
+              </a:rPr>
+              <a:t>dimentos</a:t>
+            </a:r>
+            <a:r>
+              <a:rPr lang="pt-PT" b="0" i="0" dirty="0">
+                <a:effectLst/>
+                <a:latin typeface="Arial" panose="020B0604020202020204" pitchFamily="34" charset="0"/>
+              </a:rPr>
+              <a:t> e regras claras. Aspeto que se aplica também na organização em estudo.</a:t>
+            </a:r>
+          </a:p>
+          <a:p>
+            <a:pPr marL="0" marR="0" lvl="0" indent="0" algn="l" defTabSz="914400" rtl="0" eaLnBrk="1" fontAlgn="auto" latinLnBrk="0" hangingPunct="1">
+              <a:lnSpc>
+                <a:spcPct val="100000"/>
+              </a:lnSpc>
+              <a:spcBef>
+                <a:spcPts val="0"/>
+              </a:spcBef>
+              <a:spcAft>
+                <a:spcPts val="0"/>
+              </a:spcAft>
+              <a:buClrTx/>
+              <a:buSzTx/>
+              <a:buFontTx/>
+              <a:buNone/>
+              <a:tabLst/>
+              <a:defRPr/>
+            </a:pPr>
+            <a:br>
+              <a:rPr lang="pt-PT" dirty="0"/>
+            </a:br>
+            <a:r>
+              <a:rPr lang="pt-PT" b="0" i="0" dirty="0">
+                <a:effectLst/>
+                <a:latin typeface="Courier New" panose="02070309020205020404" pitchFamily="49" charset="0"/>
+              </a:rPr>
+              <a:t>• </a:t>
+            </a:r>
+            <a:r>
+              <a:rPr lang="pt-PT" b="0" i="0" dirty="0">
+                <a:effectLst/>
+                <a:latin typeface="Arial" panose="020B0604020202020204" pitchFamily="34" charset="0"/>
+              </a:rPr>
+              <a:t>Orientação Longo Prazo </a:t>
+            </a:r>
+            <a:r>
+              <a:rPr lang="pt-PT" b="0" i="0" dirty="0" err="1">
+                <a:effectLst/>
+                <a:latin typeface="Arial" panose="020B0604020202020204" pitchFamily="34" charset="0"/>
+              </a:rPr>
+              <a:t>vs</a:t>
+            </a:r>
+            <a:r>
+              <a:rPr lang="pt-PT" b="0" i="0" dirty="0">
+                <a:effectLst/>
+                <a:latin typeface="Arial" panose="020B0604020202020204" pitchFamily="34" charset="0"/>
+              </a:rPr>
+              <a:t> Orientação Curto Prazo: Um aspeto que na </a:t>
+            </a:r>
+            <a:r>
+              <a:rPr lang="pt-PT" b="0" i="0" dirty="0" err="1">
+                <a:effectLst/>
+                <a:latin typeface="Arial" panose="020B0604020202020204" pitchFamily="34" charset="0"/>
+              </a:rPr>
+              <a:t>SuperBock</a:t>
+            </a:r>
+            <a:r>
+              <a:rPr lang="pt-PT" b="0" i="0" dirty="0">
+                <a:effectLst/>
+                <a:latin typeface="Arial" panose="020B0604020202020204" pitchFamily="34" charset="0"/>
+              </a:rPr>
+              <a:t> é</a:t>
+            </a:r>
+            <a:br>
+              <a:rPr lang="pt-PT" dirty="0"/>
+            </a:br>
+            <a:r>
+              <a:rPr lang="pt-PT" b="0" i="0" dirty="0">
+                <a:effectLst/>
+                <a:latin typeface="Arial" panose="020B0604020202020204" pitchFamily="34" charset="0"/>
+              </a:rPr>
+              <a:t>bastante equilibrado, pois acima de tudo querem manter a qualidade do produto que</a:t>
+            </a:r>
+            <a:br>
+              <a:rPr lang="pt-PT" dirty="0"/>
+            </a:br>
+            <a:r>
+              <a:rPr lang="pt-PT" b="0" i="0" dirty="0">
+                <a:effectLst/>
+                <a:latin typeface="Arial" panose="020B0604020202020204" pitchFamily="34" charset="0"/>
+              </a:rPr>
+              <a:t>deu origem à organização como a conhecemos hoje, a cerveja, e aqui temos evidências</a:t>
+            </a:r>
+            <a:br>
+              <a:rPr lang="pt-PT" dirty="0"/>
+            </a:br>
+            <a:r>
+              <a:rPr lang="pt-PT" b="0" i="0" dirty="0">
+                <a:effectLst/>
+                <a:latin typeface="Arial" panose="020B0604020202020204" pitchFamily="34" charset="0"/>
+              </a:rPr>
+              <a:t>de orientação a longo prazo. No entanto, a </a:t>
+            </a:r>
+            <a:r>
+              <a:rPr lang="pt-PT" b="0" i="0" dirty="0" err="1">
+                <a:effectLst/>
+                <a:latin typeface="Arial" panose="020B0604020202020204" pitchFamily="34" charset="0"/>
+              </a:rPr>
+              <a:t>SuperBock</a:t>
+            </a:r>
+            <a:r>
+              <a:rPr lang="pt-PT" b="0" i="0" dirty="0">
+                <a:effectLst/>
+                <a:latin typeface="Arial" panose="020B0604020202020204" pitchFamily="34" charset="0"/>
+              </a:rPr>
+              <a:t> também está sempre preocupada</a:t>
+            </a:r>
+            <a:br>
+              <a:rPr lang="pt-PT" dirty="0"/>
+            </a:br>
+            <a:r>
+              <a:rPr lang="pt-PT" b="0" i="0" dirty="0">
+                <a:effectLst/>
+                <a:latin typeface="Arial" panose="020B0604020202020204" pitchFamily="34" charset="0"/>
+              </a:rPr>
+              <a:t>com o feedback dos clientes e às tendências geracionais e adaptam ou inovam produtos</a:t>
+            </a:r>
+            <a:br>
+              <a:rPr lang="pt-PT" dirty="0"/>
+            </a:br>
+            <a:r>
+              <a:rPr lang="pt-PT" b="0" i="0" dirty="0">
+                <a:effectLst/>
+                <a:latin typeface="Arial" panose="020B0604020202020204" pitchFamily="34" charset="0"/>
+              </a:rPr>
+              <a:t>para atender às necessidades do mercado. As pessoas responsáveis por esta vertente</a:t>
+            </a:r>
+            <a:br>
+              <a:rPr lang="pt-PT" dirty="0"/>
+            </a:br>
+            <a:r>
+              <a:rPr lang="pt-PT" b="0" i="0" dirty="0">
+                <a:effectLst/>
+                <a:latin typeface="Arial" panose="020B0604020202020204" pitchFamily="34" charset="0"/>
+              </a:rPr>
+              <a:t>na empresa, têm uma orientação mais vocacionada a curto prazo.</a:t>
+            </a:r>
+            <a:br>
+              <a:rPr lang="pt-PT" dirty="0"/>
+            </a:br>
             <a:endParaRPr lang="pt-PT" dirty="0"/>
+          </a:p>
+          <a:p>
+            <a:pPr marL="0" marR="0" lvl="0" indent="0" algn="l" defTabSz="914400" rtl="0" eaLnBrk="1" fontAlgn="auto" latinLnBrk="0" hangingPunct="1">
+              <a:lnSpc>
+                <a:spcPct val="100000"/>
+              </a:lnSpc>
+              <a:spcBef>
+                <a:spcPts val="0"/>
+              </a:spcBef>
+              <a:spcAft>
+                <a:spcPts val="0"/>
+              </a:spcAft>
+              <a:buClrTx/>
+              <a:buSzTx/>
+              <a:buFontTx/>
+              <a:buNone/>
+              <a:tabLst/>
+              <a:defRPr/>
+            </a:pPr>
+            <a:r>
+              <a:rPr lang="pt-PT" b="0" i="0" dirty="0">
+                <a:effectLst/>
+                <a:latin typeface="Courier New" panose="02070309020205020404" pitchFamily="49" charset="0"/>
+              </a:rPr>
+              <a:t>• </a:t>
+            </a:r>
+            <a:r>
+              <a:rPr lang="pt-PT" b="0" i="0" dirty="0">
+                <a:effectLst/>
+                <a:latin typeface="Arial" panose="020B0604020202020204" pitchFamily="34" charset="0"/>
+              </a:rPr>
+              <a:t>Indulgência vs. Restrição: Podemos considerar que a empresa, sendo esta produtora</a:t>
+            </a:r>
+            <a:br>
+              <a:rPr lang="pt-PT" dirty="0"/>
+            </a:br>
+            <a:r>
+              <a:rPr lang="pt-PT" b="0" i="0" dirty="0">
+                <a:effectLst/>
+                <a:latin typeface="Arial" panose="020B0604020202020204" pitchFamily="34" charset="0"/>
+              </a:rPr>
+              <a:t>de bebidas alcoólicas, está inserida numa cultura mais indulgente, que valoriza o prazer</a:t>
+            </a:r>
+            <a:br>
+              <a:rPr lang="pt-PT" dirty="0"/>
+            </a:br>
+            <a:r>
+              <a:rPr lang="pt-PT" b="0" i="0" dirty="0">
+                <a:effectLst/>
+                <a:latin typeface="Arial" panose="020B0604020202020204" pitchFamily="34" charset="0"/>
+              </a:rPr>
+              <a:t>e a sociabilidade em torno do consumo de </a:t>
+            </a:r>
+            <a:r>
+              <a:rPr lang="pt-PT" b="0" i="0" err="1">
+                <a:effectLst/>
+                <a:latin typeface="Arial" panose="020B0604020202020204" pitchFamily="34" charset="0"/>
+              </a:rPr>
+              <a:t>álcool</a:t>
+            </a:r>
+            <a:r>
+              <a:rPr lang="pt-PT" b="0" i="0">
+                <a:effectLst/>
+                <a:latin typeface="Arial" panose="020B0604020202020204" pitchFamily="34" charset="0"/>
+              </a:rPr>
+              <a:t>. No </a:t>
+            </a:r>
+            <a:r>
+              <a:rPr lang="pt-PT" b="0" i="0" dirty="0">
+                <a:effectLst/>
+                <a:latin typeface="Arial" panose="020B0604020202020204" pitchFamily="34" charset="0"/>
+              </a:rPr>
+              <a:t>entanto, promove moderação e</a:t>
+            </a:r>
+            <a:br>
+              <a:rPr lang="pt-PT" dirty="0"/>
+            </a:br>
+            <a:r>
+              <a:rPr lang="pt-PT" b="0" i="0" dirty="0">
+                <a:effectLst/>
+                <a:latin typeface="Arial" panose="020B0604020202020204" pitchFamily="34" charset="0"/>
+              </a:rPr>
+              <a:t>consumo responsável, mostrando que também é importante a restrição</a:t>
+            </a:r>
+          </a:p>
+          <a:p>
+            <a:pPr marL="0" marR="0" lvl="0" indent="0" algn="l" defTabSz="914400" rtl="0" eaLnBrk="1" fontAlgn="auto" latinLnBrk="0" hangingPunct="1">
+              <a:lnSpc>
+                <a:spcPct val="100000"/>
+              </a:lnSpc>
+              <a:spcBef>
+                <a:spcPts val="0"/>
+              </a:spcBef>
+              <a:spcAft>
+                <a:spcPts val="0"/>
+              </a:spcAft>
+              <a:buClrTx/>
+              <a:buSzTx/>
+              <a:buFontTx/>
+              <a:buNone/>
+              <a:tabLst/>
+              <a:defRPr/>
+            </a:pPr>
+            <a:endParaRPr lang="pt-PT" b="0" i="0" dirty="0">
+              <a:effectLst/>
+              <a:latin typeface="Arial" panose="020B0604020202020204" pitchFamily="34" charset="0"/>
+            </a:endParaRPr>
           </a:p>
         </p:txBody>
       </p:sp>
@@ -6111,6 +7764,42 @@
           </a:p>
         </p:txBody>
       </p:sp>
+      <p:pic>
+        <p:nvPicPr>
+          <p:cNvPr id="5" name="Imagem 4">
+            <a:extLst>
+              <a:ext uri="{FF2B5EF4-FFF2-40B4-BE49-F238E27FC236}">
+                <a16:creationId xmlns:a16="http://schemas.microsoft.com/office/drawing/2014/main" id="{54429925-764A-7DA5-6A66-6B91615FB24E}"/>
+              </a:ext>
+            </a:extLst>
+          </p:cNvPr>
+          <p:cNvPicPr>
+            <a:picLocks noChangeAspect="1"/>
+          </p:cNvPicPr>
+          <p:nvPr/>
+        </p:nvPicPr>
+        <p:blipFill>
+          <a:blip r:embed="rId3">
+            <a:extLst>
+              <a:ext uri="{28A0092B-C50C-407E-A947-70E740481C1C}">
+                <a14:useLocalDpi xmlns:a14="http://schemas.microsoft.com/office/drawing/2010/main" val="0"/>
+              </a:ext>
+            </a:extLst>
+          </a:blip>
+          <a:stretch>
+            <a:fillRect/>
+          </a:stretch>
+        </p:blipFill>
+        <p:spPr>
+          <a:xfrm>
+            <a:off x="1500004" y="3076831"/>
+            <a:ext cx="2768161" cy="2768161"/>
+          </a:xfrm>
+          <a:prstGeom prst="rect">
+            <a:avLst/>
+          </a:prstGeom>
+        </p:spPr>
+      </p:pic>
     </p:spTree>
     <p:extLst>
       <p:ext uri="{BB962C8B-B14F-4D97-AF65-F5344CB8AC3E}">
@@ -6197,6 +7886,150 @@
           </a:p>
         </p:txBody>
       </p:sp>
+      <p:pic>
+        <p:nvPicPr>
+          <p:cNvPr id="5" name="Imagem 4">
+            <a:extLst>
+              <a:ext uri="{FF2B5EF4-FFF2-40B4-BE49-F238E27FC236}">
+                <a16:creationId xmlns:a16="http://schemas.microsoft.com/office/drawing/2014/main" id="{E6E568D1-A3ED-4A5E-91DB-CA9035EA3AD2}"/>
+              </a:ext>
+            </a:extLst>
+          </p:cNvPr>
+          <p:cNvPicPr>
+            <a:picLocks noChangeAspect="1"/>
+          </p:cNvPicPr>
+          <p:nvPr/>
+        </p:nvPicPr>
+        <p:blipFill>
+          <a:blip r:embed="rId3">
+            <a:extLst>
+              <a:ext uri="{28A0092B-C50C-407E-A947-70E740481C1C}">
+                <a14:useLocalDpi xmlns:a14="http://schemas.microsoft.com/office/drawing/2010/main" val="0"/>
+              </a:ext>
+            </a:extLst>
+          </a:blip>
+          <a:stretch>
+            <a:fillRect/>
+          </a:stretch>
+        </p:blipFill>
+        <p:spPr>
+          <a:xfrm>
+            <a:off x="1048266" y="2706130"/>
+            <a:ext cx="2607275" cy="2607275"/>
+          </a:xfrm>
+          <a:prstGeom prst="rect">
+            <a:avLst/>
+          </a:prstGeom>
+        </p:spPr>
+      </p:pic>
+      <p:pic>
+        <p:nvPicPr>
+          <p:cNvPr id="7" name="Imagem 6">
+            <a:extLst>
+              <a:ext uri="{FF2B5EF4-FFF2-40B4-BE49-F238E27FC236}">
+                <a16:creationId xmlns:a16="http://schemas.microsoft.com/office/drawing/2014/main" id="{542F0967-6434-330A-758E-BFB9208A0FAF}"/>
+              </a:ext>
+            </a:extLst>
+          </p:cNvPr>
+          <p:cNvPicPr>
+            <a:picLocks noChangeAspect="1"/>
+          </p:cNvPicPr>
+          <p:nvPr/>
+        </p:nvPicPr>
+        <p:blipFill>
+          <a:blip r:embed="rId4">
+            <a:extLst>
+              <a:ext uri="{28A0092B-C50C-407E-A947-70E740481C1C}">
+                <a14:useLocalDpi xmlns:a14="http://schemas.microsoft.com/office/drawing/2010/main" val="0"/>
+              </a:ext>
+            </a:extLst>
+          </a:blip>
+          <a:stretch>
+            <a:fillRect/>
+          </a:stretch>
+        </p:blipFill>
+        <p:spPr>
+          <a:xfrm>
+            <a:off x="3887954" y="2846173"/>
+            <a:ext cx="2341299" cy="2341299"/>
+          </a:xfrm>
+          <a:prstGeom prst="rect">
+            <a:avLst/>
+          </a:prstGeom>
+        </p:spPr>
+      </p:pic>
+      <p:pic>
+        <p:nvPicPr>
+          <p:cNvPr id="11" name="Imagem 10">
+            <a:extLst>
+              <a:ext uri="{FF2B5EF4-FFF2-40B4-BE49-F238E27FC236}">
+                <a16:creationId xmlns:a16="http://schemas.microsoft.com/office/drawing/2014/main" id="{2C275099-E43D-1C17-0A24-25D82D24AF53}"/>
+              </a:ext>
+            </a:extLst>
+          </p:cNvPr>
+          <p:cNvPicPr>
+            <a:picLocks noChangeAspect="1"/>
+          </p:cNvPicPr>
+          <p:nvPr/>
+        </p:nvPicPr>
+        <p:blipFill>
+          <a:blip r:embed="rId5">
+            <a:extLst>
+              <a:ext uri="{28A0092B-C50C-407E-A947-70E740481C1C}">
+                <a14:useLocalDpi xmlns:a14="http://schemas.microsoft.com/office/drawing/2010/main" val="0"/>
+              </a:ext>
+            </a:extLst>
+          </a:blip>
+          <a:stretch>
+            <a:fillRect/>
+          </a:stretch>
+        </p:blipFill>
+        <p:spPr>
+          <a:xfrm>
+            <a:off x="6905849" y="3270597"/>
+            <a:ext cx="1916875" cy="1916875"/>
+          </a:xfrm>
+          <a:prstGeom prst="rect">
+            <a:avLst/>
+          </a:prstGeom>
+        </p:spPr>
+      </p:pic>
+      <p:pic>
+        <p:nvPicPr>
+          <p:cNvPr id="13" name="Imagem 12">
+            <a:extLst>
+              <a:ext uri="{FF2B5EF4-FFF2-40B4-BE49-F238E27FC236}">
+                <a16:creationId xmlns:a16="http://schemas.microsoft.com/office/drawing/2014/main" id="{EFB7A0D7-F574-30D9-B017-C9BF6C68912C}"/>
+              </a:ext>
+            </a:extLst>
+          </p:cNvPr>
+          <p:cNvPicPr>
+            <a:picLocks noChangeAspect="1"/>
+          </p:cNvPicPr>
+          <p:nvPr/>
+        </p:nvPicPr>
+        <p:blipFill>
+          <a:blip r:embed="rId6">
+            <a:extLst>
+              <a:ext uri="{28A0092B-C50C-407E-A947-70E740481C1C}">
+                <a14:useLocalDpi xmlns:a14="http://schemas.microsoft.com/office/drawing/2010/main" val="0"/>
+              </a:ext>
+            </a:extLst>
+          </a:blip>
+          <a:stretch>
+            <a:fillRect/>
+          </a:stretch>
+        </p:blipFill>
+        <p:spPr>
+          <a:xfrm>
+            <a:off x="9212442" y="3042856"/>
+            <a:ext cx="1916875" cy="1916875"/>
+          </a:xfrm>
+          <a:prstGeom prst="rect">
+            <a:avLst/>
+          </a:prstGeom>
+        </p:spPr>
+      </p:pic>
     </p:spTree>
     <p:extLst>
       <p:ext uri="{BB962C8B-B14F-4D97-AF65-F5344CB8AC3E}">
@@ -6621,7 +8454,12 @@
             <p:ph idx="1"/>
           </p:nvPr>
         </p:nvSpPr>
-        <p:spPr/>
+        <p:spPr>
+          <a:xfrm>
+            <a:off x="578708" y="1479636"/>
+            <a:ext cx="10515600" cy="4351338"/>
+          </a:xfrm>
+        </p:spPr>
         <p:txBody>
           <a:bodyPr/>
           <a:lstStyle/>
@@ -6636,8 +8474,61 @@
             </a:r>
             <a:endParaRPr lang="pt-PT" dirty="0"/>
           </a:p>
-        </p:txBody>
-      </p:sp>
+          <a:p>
+            <a:endParaRPr lang="pt-PT" dirty="0"/>
+          </a:p>
+          <a:p>
+            <a:endParaRPr lang="pt-PT" dirty="0"/>
+          </a:p>
+        </p:txBody>
+      </p:sp>
+      <p:pic>
+        <p:nvPicPr>
+          <p:cNvPr id="1028" name="Picture 4" descr="Hofstede's Cultural Dimensions">
+            <a:extLst>
+              <a:ext uri="{FF2B5EF4-FFF2-40B4-BE49-F238E27FC236}">
+                <a16:creationId xmlns:a16="http://schemas.microsoft.com/office/drawing/2014/main" id="{E62C24BA-03F5-DE8E-7CA3-9FB848636342}"/>
+              </a:ext>
+            </a:extLst>
+          </p:cNvPr>
+          <p:cNvPicPr>
+            <a:picLocks noChangeAspect="1" noChangeArrowheads="1"/>
+          </p:cNvPicPr>
+          <p:nvPr/>
+        </p:nvPicPr>
+        <p:blipFill>
+          <a:blip r:embed="rId3">
+            <a:extLst>
+              <a:ext uri="{28A0092B-C50C-407E-A947-70E740481C1C}">
+                <a14:useLocalDpi xmlns:a14="http://schemas.microsoft.com/office/drawing/2010/main" val="0"/>
+              </a:ext>
+            </a:extLst>
+          </a:blip>
+          <a:srcRect/>
+          <a:stretch>
+            <a:fillRect/>
+          </a:stretch>
+        </p:blipFill>
+        <p:spPr bwMode="auto">
+          <a:xfrm>
+            <a:off x="2419865" y="1961764"/>
+            <a:ext cx="7352269" cy="4128215"/>
+          </a:xfrm>
+          <a:prstGeom prst="rect">
+            <a:avLst/>
+          </a:prstGeom>
+          <a:noFill/>
+          <a:extLst>
+            <a:ext uri="{909E8E84-426E-40DD-AFC4-6F175D3DCCD1}">
+              <a14:hiddenFill xmlns:a14="http://schemas.microsoft.com/office/drawing/2010/main">
+                <a:solidFill>
+                  <a:srgbClr val="FFFFFF"/>
+                </a:solidFill>
+              </a14:hiddenFill>
+            </a:ext>
+          </a:extLst>
+        </p:spPr>
+      </p:pic>
     </p:spTree>
     <p:extLst>
       <p:ext uri="{BB962C8B-B14F-4D97-AF65-F5344CB8AC3E}">
